--- a/mvc/slides/06_AJAX.pptx
+++ b/mvc/slides/06_AJAX.pptx
@@ -5,10 +5,10 @@
     <p:sldMasterId id="2147483772" r:id="rId1"/>
   </p:sldMasterIdLst>
   <p:notesMasterIdLst>
-    <p:notesMasterId r:id="rId21"/>
+    <p:notesMasterId r:id="rId25"/>
   </p:notesMasterIdLst>
   <p:handoutMasterIdLst>
-    <p:handoutMasterId r:id="rId22"/>
+    <p:handoutMasterId r:id="rId26"/>
   </p:handoutMasterIdLst>
   <p:sldIdLst>
     <p:sldId id="327" r:id="rId2"/>
@@ -29,7 +29,11 @@
     <p:sldId id="374" r:id="rId17"/>
     <p:sldId id="377" r:id="rId18"/>
     <p:sldId id="378" r:id="rId19"/>
-    <p:sldId id="363" r:id="rId20"/>
+    <p:sldId id="385" r:id="rId20"/>
+    <p:sldId id="386" r:id="rId21"/>
+    <p:sldId id="387" r:id="rId22"/>
+    <p:sldId id="388" r:id="rId23"/>
+    <p:sldId id="363" r:id="rId24"/>
   </p:sldIdLst>
   <p:sldSz cx="9144000" cy="6858000" type="screen4x3"/>
   <p:notesSz cx="7302500" cy="9588500"/>
@@ -252,7 +256,7 @@
               <a:pPr>
                 <a:defRPr/>
               </a:pPr>
-              <a:t>7/7/2012</a:t>
+              <a:t>7/8/2012</a:t>
             </a:fld>
             <a:endParaRPr lang="en-US"/>
           </a:p>
@@ -1025,7 +1029,7 @@
             <a:fld id="{6F8E712A-3391-44E3-B8E1-37AE61B13131}" type="slidenum">
               <a:rPr lang="en-US" smtClean="0"/>
               <a:pPr/>
-              <a:t>19</a:t>
+              <a:t>23</a:t>
             </a:fld>
             <a:endParaRPr lang="en-US" smtClean="0"/>
           </a:p>
@@ -8967,9 +8971,9 @@
       </p:grpSpPr>
       <p:sp>
         <p:nvSpPr>
-          <p:cNvPr id="12290" name="Rectangle 4"/>
+          <p:cNvPr id="2" name="Title 1"/>
           <p:cNvSpPr>
-            <a:spLocks noGrp="1" noChangeArrowheads="1"/>
+            <a:spLocks noGrp="1"/>
           </p:cNvSpPr>
           <p:nvPr>
             <p:ph type="title"/>
@@ -8980,19 +8984,19 @@
           <a:bodyPr/>
           <a:lstStyle/>
           <a:p>
-            <a:pPr eaLnBrk="1" hangingPunct="1"/>
-            <a:r>
-              <a:rPr lang="en-US" dirty="0" smtClean="0"/>
-              <a:t>Summary</a:t>
-            </a:r>
+            <a:r>
+              <a:rPr lang="en-US" dirty="0" err="1" smtClean="0"/>
+              <a:t>System.Web.Optimization</a:t>
+            </a:r>
+            <a:endParaRPr lang="en-US" dirty="0"/>
           </a:p>
         </p:txBody>
       </p:sp>
       <p:sp>
         <p:nvSpPr>
-          <p:cNvPr id="12291" name="Rectangle 5"/>
+          <p:cNvPr id="3" name="Text Placeholder 2"/>
           <p:cNvSpPr>
-            <a:spLocks noGrp="1" noChangeArrowheads="1"/>
+            <a:spLocks noGrp="1"/>
           </p:cNvSpPr>
           <p:nvPr>
             <p:ph type="body" idx="1"/>
@@ -9003,75 +9007,36 @@
           <a:bodyPr/>
           <a:lstStyle/>
           <a:p>
-            <a:pPr eaLnBrk="1" hangingPunct="1"/>
             <a:r>
               <a:rPr lang="en-US" dirty="0" smtClean="0"/>
-              <a:t>ASP.NET MVC has basic AJAX building blocks</a:t>
-            </a:r>
-          </a:p>
-          <a:p>
-            <a:pPr lvl="1"/>
+              <a:t>Bundling of script and style files</a:t>
+            </a:r>
+          </a:p>
+          <a:p>
+            <a:r>
+              <a:rPr lang="en-US" dirty="0" err="1" smtClean="0"/>
+              <a:t>Minification</a:t>
+            </a:r>
             <a:r>
               <a:rPr lang="en-US" dirty="0" smtClean="0"/>
-              <a:t>AJAX Helpers</a:t>
-            </a:r>
-          </a:p>
-          <a:p>
-            <a:pPr lvl="1"/>
+              <a:t> of script and style files</a:t>
+            </a:r>
+          </a:p>
+          <a:p>
             <a:r>
               <a:rPr lang="en-US" dirty="0" smtClean="0"/>
-              <a:t>Partial Views</a:t>
-            </a:r>
-          </a:p>
-          <a:p>
-            <a:pPr lvl="1"/>
-            <a:r>
-              <a:rPr lang="en-US" dirty="0" smtClean="0"/>
-              <a:t>Client consumable action results</a:t>
-            </a:r>
-          </a:p>
-          <a:p>
-            <a:r>
-              <a:rPr lang="en-US" dirty="0" err="1" smtClean="0"/>
-              <a:t>jQuery</a:t>
-            </a:r>
-            <a:endParaRPr lang="en-US" dirty="0" smtClean="0"/>
-          </a:p>
-          <a:p>
-            <a:pPr lvl="1"/>
-            <a:r>
-              <a:rPr lang="en-US" dirty="0" smtClean="0"/>
-              <a:t>DOM Manipulation</a:t>
-            </a:r>
-          </a:p>
-          <a:p>
-            <a:pPr lvl="1"/>
-            <a:r>
-              <a:rPr lang="en-US" dirty="0" err="1" smtClean="0"/>
-              <a:t>Plugins</a:t>
-            </a:r>
-            <a:r>
-              <a:rPr lang="en-US" dirty="0" smtClean="0"/>
-              <a:t> for any feature</a:t>
-            </a:r>
-          </a:p>
-          <a:p>
-            <a:pPr lvl="1"/>
-            <a:r>
-              <a:rPr lang="en-US" dirty="0" smtClean="0"/>
-              <a:t>jQuery UI for widgets</a:t>
-            </a:r>
-          </a:p>
-          <a:p>
-            <a:endParaRPr lang="en-US" dirty="0" smtClean="0"/>
-          </a:p>
-          <a:p>
-            <a:pPr lvl="1"/>
-            <a:endParaRPr lang="en-US" dirty="0" smtClean="0"/>
+              <a:t>Decrease page load times</a:t>
+            </a:r>
+            <a:endParaRPr lang="en-US" dirty="0"/>
           </a:p>
         </p:txBody>
       </p:sp>
     </p:spTree>
+    <p:extLst>
+      <p:ext uri="{BB962C8B-B14F-4D97-AF65-F5344CB8AC3E}">
+        <p14:creationId xmlns:p14="http://schemas.microsoft.com/office/powerpoint/2010/main" val="2380791341"/>
+      </p:ext>
+    </p:extLst>
   </p:cSld>
   <p:clrMapOvr>
     <a:masterClrMapping/>
@@ -9189,6 +9154,910 @@
           </a:p>
           <a:p>
             <a:pPr eaLnBrk="1" hangingPunct="1"/>
+            <a:endParaRPr lang="en-US" dirty="0" smtClean="0"/>
+          </a:p>
+        </p:txBody>
+      </p:sp>
+    </p:spTree>
+  </p:cSld>
+  <p:clrMapOvr>
+    <a:masterClrMapping/>
+  </p:clrMapOvr>
+  <p:transition>
+    <p:fade/>
+  </p:transition>
+  <p:timing>
+    <p:tnLst>
+      <p:par>
+        <p:cTn id="1" dur="indefinite" restart="never" nodeType="tmRoot"/>
+      </p:par>
+    </p:tnLst>
+  </p:timing>
+</p:sld>
+</file>
+
+<file path=ppt/slides/slide20.xml><?xml version="1.0" encoding="utf-8"?>
+<p:sld xmlns:a="http://schemas.openxmlformats.org/drawingml/2006/main" xmlns:r="http://schemas.openxmlformats.org/officeDocument/2006/relationships" xmlns:p="http://schemas.openxmlformats.org/presentationml/2006/main">
+  <p:cSld>
+    <p:spTree>
+      <p:nvGrpSpPr>
+        <p:cNvPr id="1" name=""/>
+        <p:cNvGrpSpPr/>
+        <p:nvPr/>
+      </p:nvGrpSpPr>
+      <p:grpSpPr>
+        <a:xfrm>
+          <a:off x="0" y="0"/>
+          <a:ext cx="0" cy="0"/>
+          <a:chOff x="0" y="0"/>
+          <a:chExt cx="0" cy="0"/>
+        </a:xfrm>
+      </p:grpSpPr>
+      <p:sp>
+        <p:nvSpPr>
+          <p:cNvPr id="2" name="Title 1"/>
+          <p:cNvSpPr>
+            <a:spLocks noGrp="1"/>
+          </p:cNvSpPr>
+          <p:nvPr>
+            <p:ph type="title"/>
+          </p:nvPr>
+        </p:nvSpPr>
+        <p:spPr/>
+        <p:txBody>
+          <a:bodyPr/>
+          <a:lstStyle/>
+          <a:p>
+            <a:r>
+              <a:rPr lang="en-US" dirty="0" smtClean="0"/>
+              <a:t>Installation</a:t>
+            </a:r>
+            <a:endParaRPr lang="en-US" dirty="0"/>
+          </a:p>
+        </p:txBody>
+      </p:sp>
+      <p:sp>
+        <p:nvSpPr>
+          <p:cNvPr id="3" name="Text Placeholder 2"/>
+          <p:cNvSpPr>
+            <a:spLocks noGrp="1"/>
+          </p:cNvSpPr>
+          <p:nvPr>
+            <p:ph type="body" idx="1"/>
+          </p:nvPr>
+        </p:nvSpPr>
+        <p:spPr/>
+        <p:txBody>
+          <a:bodyPr/>
+          <a:lstStyle/>
+          <a:p>
+            <a:r>
+              <a:rPr lang="en-US" dirty="0" smtClean="0"/>
+              <a:t>Use </a:t>
+            </a:r>
+            <a:r>
+              <a:rPr lang="en-US" dirty="0" err="1" smtClean="0"/>
+              <a:t>NuGet</a:t>
+            </a:r>
+            <a:endParaRPr lang="en-US" dirty="0" smtClean="0"/>
+          </a:p>
+          <a:p>
+            <a:pPr lvl="1"/>
+            <a:r>
+              <a:rPr lang="en-US" dirty="0" smtClean="0"/>
+              <a:t>install-package </a:t>
+            </a:r>
+            <a:r>
+              <a:rPr lang="en-US" dirty="0" err="1" smtClean="0"/>
+              <a:t>Microsoft.AspNet.Web.Optimization</a:t>
+            </a:r>
+            <a:endParaRPr lang="en-US" dirty="0" smtClean="0"/>
+          </a:p>
+        </p:txBody>
+      </p:sp>
+      <p:pic>
+        <p:nvPicPr>
+          <p:cNvPr id="1027" name="Picture 3"/>
+          <p:cNvPicPr>
+            <a:picLocks noChangeAspect="1" noChangeArrowheads="1"/>
+          </p:cNvPicPr>
+          <p:nvPr/>
+        </p:nvPicPr>
+        <p:blipFill>
+          <a:blip r:embed="rId2">
+            <a:extLst>
+              <a:ext uri="{28A0092B-C50C-407E-A947-70E740481C1C}">
+                <a14:useLocalDpi xmlns:a14="http://schemas.microsoft.com/office/drawing/2010/main" val="0"/>
+              </a:ext>
+            </a:extLst>
+          </a:blip>
+          <a:srcRect/>
+          <a:stretch>
+            <a:fillRect/>
+          </a:stretch>
+        </p:blipFill>
+        <p:spPr bwMode="auto">
+          <a:xfrm>
+            <a:off x="901115" y="2743200"/>
+            <a:ext cx="7381875" cy="2886075"/>
+          </a:xfrm>
+          <a:prstGeom prst="rect">
+            <a:avLst/>
+          </a:prstGeom>
+          <a:ln>
+            <a:noFill/>
+          </a:ln>
+          <a:effectLst>
+            <a:outerShdw blurRad="292100" dist="139700" dir="2700000" algn="tl" rotWithShape="0">
+              <a:srgbClr val="333333">
+                <a:alpha val="65000"/>
+              </a:srgbClr>
+            </a:outerShdw>
+          </a:effectLst>
+          <a:extLst>
+            <a:ext uri="{909E8E84-426E-40DD-AFC4-6F175D3DCCD1}">
+              <a14:hiddenFill xmlns:a14="http://schemas.microsoft.com/office/drawing/2010/main">
+                <a:solidFill>
+                  <a:schemeClr val="accent1"/>
+                </a:solidFill>
+              </a14:hiddenFill>
+            </a:ext>
+            <a:ext uri="{91240B29-F687-4F45-9708-019B960494DF}">
+              <a14:hiddenLine xmlns:a14="http://schemas.microsoft.com/office/drawing/2010/main" w="9525">
+                <a:solidFill>
+                  <a:schemeClr val="tx1"/>
+                </a:solidFill>
+                <a:miter lim="800000"/>
+                <a:headEnd/>
+                <a:tailEnd/>
+              </a14:hiddenLine>
+            </a:ext>
+          </a:extLst>
+        </p:spPr>
+      </p:pic>
+    </p:spTree>
+    <p:extLst>
+      <p:ext uri="{BB962C8B-B14F-4D97-AF65-F5344CB8AC3E}">
+        <p14:creationId xmlns:p14="http://schemas.microsoft.com/office/powerpoint/2010/main" val="3956997743"/>
+      </p:ext>
+    </p:extLst>
+  </p:cSld>
+  <p:clrMapOvr>
+    <a:masterClrMapping/>
+  </p:clrMapOvr>
+  <p:transition>
+    <p:fade/>
+  </p:transition>
+  <p:timing>
+    <p:tnLst>
+      <p:par>
+        <p:cTn id="1" dur="indefinite" restart="never" nodeType="tmRoot"/>
+      </p:par>
+    </p:tnLst>
+  </p:timing>
+</p:sld>
+</file>
+
+<file path=ppt/slides/slide21.xml><?xml version="1.0" encoding="utf-8"?>
+<p:sld xmlns:a="http://schemas.openxmlformats.org/drawingml/2006/main" xmlns:r="http://schemas.openxmlformats.org/officeDocument/2006/relationships" xmlns:p="http://schemas.openxmlformats.org/presentationml/2006/main">
+  <p:cSld>
+    <p:spTree>
+      <p:nvGrpSpPr>
+        <p:cNvPr id="1" name=""/>
+        <p:cNvGrpSpPr/>
+        <p:nvPr/>
+      </p:nvGrpSpPr>
+      <p:grpSpPr>
+        <a:xfrm>
+          <a:off x="0" y="0"/>
+          <a:ext cx="0" cy="0"/>
+          <a:chOff x="0" y="0"/>
+          <a:chExt cx="0" cy="0"/>
+        </a:xfrm>
+      </p:grpSpPr>
+      <p:sp>
+        <p:nvSpPr>
+          <p:cNvPr id="2" name="Title 1"/>
+          <p:cNvSpPr>
+            <a:spLocks noGrp="1"/>
+          </p:cNvSpPr>
+          <p:nvPr>
+            <p:ph type="title"/>
+          </p:nvPr>
+        </p:nvSpPr>
+        <p:spPr/>
+        <p:txBody>
+          <a:bodyPr/>
+          <a:lstStyle/>
+          <a:p>
+            <a:r>
+              <a:rPr lang="en-US" dirty="0" smtClean="0"/>
+              <a:t>Configuration</a:t>
+            </a:r>
+            <a:endParaRPr lang="en-US" dirty="0"/>
+          </a:p>
+        </p:txBody>
+      </p:sp>
+      <p:sp>
+        <p:nvSpPr>
+          <p:cNvPr id="3" name="Text Placeholder 2"/>
+          <p:cNvSpPr>
+            <a:spLocks noGrp="1"/>
+          </p:cNvSpPr>
+          <p:nvPr>
+            <p:ph type="body" idx="1"/>
+          </p:nvPr>
+        </p:nvSpPr>
+        <p:spPr/>
+        <p:txBody>
+          <a:bodyPr/>
+          <a:lstStyle/>
+          <a:p>
+            <a:r>
+              <a:rPr lang="en-US" dirty="0" smtClean="0"/>
+              <a:t>Script bundles and style bundles</a:t>
+            </a:r>
+          </a:p>
+          <a:p>
+            <a:pPr lvl="1"/>
+            <a:r>
+              <a:rPr lang="en-US" dirty="0" smtClean="0"/>
+              <a:t>Add bundles to the global </a:t>
+            </a:r>
+            <a:r>
+              <a:rPr lang="en-US" dirty="0" err="1" smtClean="0"/>
+              <a:t>BundleTable</a:t>
+            </a:r>
+            <a:r>
+              <a:rPr lang="en-US" dirty="0" smtClean="0"/>
+              <a:t> object</a:t>
+            </a:r>
+          </a:p>
+          <a:p>
+            <a:pPr lvl="1"/>
+            <a:r>
+              <a:rPr lang="en-US" dirty="0" smtClean="0"/>
+              <a:t>Specify a virtual path for the bundle</a:t>
+            </a:r>
+          </a:p>
+          <a:p>
+            <a:pPr lvl="1"/>
+            <a:r>
+              <a:rPr lang="en-US" dirty="0" smtClean="0"/>
+              <a:t>Include files you need in the bundle</a:t>
+            </a:r>
+          </a:p>
+          <a:p>
+            <a:pPr lvl="1"/>
+            <a:r>
+              <a:rPr lang="en-US" dirty="0" smtClean="0"/>
+              <a:t>Works with wildcards - conventions applied for ignoring doc and debug files</a:t>
+            </a:r>
+            <a:endParaRPr lang="en-US" dirty="0"/>
+          </a:p>
+        </p:txBody>
+      </p:sp>
+      <p:pic>
+        <p:nvPicPr>
+          <p:cNvPr id="2051" name="Picture 3"/>
+          <p:cNvPicPr>
+            <a:picLocks noChangeAspect="1" noChangeArrowheads="1"/>
+          </p:cNvPicPr>
+          <p:nvPr/>
+        </p:nvPicPr>
+        <p:blipFill>
+          <a:blip r:embed="rId2">
+            <a:extLst>
+              <a:ext uri="{28A0092B-C50C-407E-A947-70E740481C1C}">
+                <a14:useLocalDpi xmlns:a14="http://schemas.microsoft.com/office/drawing/2010/main" val="0"/>
+              </a:ext>
+            </a:extLst>
+          </a:blip>
+          <a:srcRect/>
+          <a:stretch>
+            <a:fillRect/>
+          </a:stretch>
+        </p:blipFill>
+        <p:spPr bwMode="auto">
+          <a:xfrm>
+            <a:off x="1219200" y="3563122"/>
+            <a:ext cx="6559694" cy="2076450"/>
+          </a:xfrm>
+          <a:prstGeom prst="rect">
+            <a:avLst/>
+          </a:prstGeom>
+          <a:ln>
+            <a:noFill/>
+          </a:ln>
+          <a:effectLst>
+            <a:outerShdw blurRad="292100" dist="139700" dir="2700000" algn="tl" rotWithShape="0">
+              <a:srgbClr val="333333">
+                <a:alpha val="65000"/>
+              </a:srgbClr>
+            </a:outerShdw>
+          </a:effectLst>
+          <a:extLst>
+            <a:ext uri="{909E8E84-426E-40DD-AFC4-6F175D3DCCD1}">
+              <a14:hiddenFill xmlns:a14="http://schemas.microsoft.com/office/drawing/2010/main">
+                <a:solidFill>
+                  <a:schemeClr val="accent1"/>
+                </a:solidFill>
+              </a14:hiddenFill>
+            </a:ext>
+            <a:ext uri="{91240B29-F687-4F45-9708-019B960494DF}">
+              <a14:hiddenLine xmlns:a14="http://schemas.microsoft.com/office/drawing/2010/main" w="9525">
+                <a:solidFill>
+                  <a:schemeClr val="tx1"/>
+                </a:solidFill>
+                <a:miter lim="800000"/>
+                <a:headEnd/>
+                <a:tailEnd/>
+              </a14:hiddenLine>
+            </a:ext>
+          </a:extLst>
+        </p:spPr>
+      </p:pic>
+    </p:spTree>
+    <p:extLst>
+      <p:ext uri="{BB962C8B-B14F-4D97-AF65-F5344CB8AC3E}">
+        <p14:creationId xmlns:p14="http://schemas.microsoft.com/office/powerpoint/2010/main" val="2061221535"/>
+      </p:ext>
+    </p:extLst>
+  </p:cSld>
+  <p:clrMapOvr>
+    <a:masterClrMapping/>
+  </p:clrMapOvr>
+  <p:transition>
+    <p:fade/>
+  </p:transition>
+  <p:timing>
+    <p:tnLst>
+      <p:par>
+        <p:cTn id="1" dur="indefinite" restart="never" nodeType="tmRoot">
+          <p:childTnLst>
+            <p:seq concurrent="1" nextAc="seek">
+              <p:cTn id="2" dur="indefinite" nodeType="mainSeq">
+                <p:childTnLst>
+                  <p:par>
+                    <p:cTn id="3" fill="hold">
+                      <p:stCondLst>
+                        <p:cond delay="indefinite"/>
+                      </p:stCondLst>
+                      <p:childTnLst>
+                        <p:par>
+                          <p:cTn id="4" fill="hold">
+                            <p:stCondLst>
+                              <p:cond delay="0"/>
+                            </p:stCondLst>
+                            <p:childTnLst>
+                              <p:par>
+                                <p:cTn id="5" presetID="10" presetClass="entr" presetSubtype="0" fill="hold" nodeType="clickEffect">
+                                  <p:stCondLst>
+                                    <p:cond delay="0"/>
+                                  </p:stCondLst>
+                                  <p:childTnLst>
+                                    <p:set>
+                                      <p:cBhvr>
+                                        <p:cTn id="6" dur="1" fill="hold">
+                                          <p:stCondLst>
+                                            <p:cond delay="0"/>
+                                          </p:stCondLst>
+                                        </p:cTn>
+                                        <p:tgtEl>
+                                          <p:spTgt spid="2051"/>
+                                        </p:tgtEl>
+                                        <p:attrNameLst>
+                                          <p:attrName>style.visibility</p:attrName>
+                                        </p:attrNameLst>
+                                      </p:cBhvr>
+                                      <p:to>
+                                        <p:strVal val="visible"/>
+                                      </p:to>
+                                    </p:set>
+                                    <p:animEffect transition="in" filter="fade">
+                                      <p:cBhvr>
+                                        <p:cTn id="7" dur="500"/>
+                                        <p:tgtEl>
+                                          <p:spTgt spid="2051"/>
+                                        </p:tgtEl>
+                                      </p:cBhvr>
+                                    </p:animEffect>
+                                  </p:childTnLst>
+                                </p:cTn>
+                              </p:par>
+                            </p:childTnLst>
+                          </p:cTn>
+                        </p:par>
+                      </p:childTnLst>
+                    </p:cTn>
+                  </p:par>
+                  <p:par>
+                    <p:cTn id="8" fill="hold">
+                      <p:stCondLst>
+                        <p:cond delay="indefinite"/>
+                      </p:stCondLst>
+                      <p:childTnLst>
+                        <p:par>
+                          <p:cTn id="9" fill="hold">
+                            <p:stCondLst>
+                              <p:cond delay="0"/>
+                            </p:stCondLst>
+                            <p:childTnLst>
+                              <p:par>
+                                <p:cTn id="10" presetID="10" presetClass="entr" presetSubtype="0" fill="hold" nodeType="clickEffect">
+                                  <p:stCondLst>
+                                    <p:cond delay="0"/>
+                                  </p:stCondLst>
+                                  <p:childTnLst>
+                                    <p:set>
+                                      <p:cBhvr>
+                                        <p:cTn id="11" dur="1" fill="hold">
+                                          <p:stCondLst>
+                                            <p:cond delay="0"/>
+                                          </p:stCondLst>
+                                        </p:cTn>
+                                        <p:tgtEl>
+                                          <p:spTgt spid="3">
+                                            <p:txEl>
+                                              <p:pRg st="2" end="2"/>
+                                            </p:txEl>
+                                          </p:spTgt>
+                                        </p:tgtEl>
+                                        <p:attrNameLst>
+                                          <p:attrName>style.visibility</p:attrName>
+                                        </p:attrNameLst>
+                                      </p:cBhvr>
+                                      <p:to>
+                                        <p:strVal val="visible"/>
+                                      </p:to>
+                                    </p:set>
+                                    <p:animEffect transition="in" filter="fade">
+                                      <p:cBhvr>
+                                        <p:cTn id="12" dur="500"/>
+                                        <p:tgtEl>
+                                          <p:spTgt spid="3">
+                                            <p:txEl>
+                                              <p:pRg st="2" end="2"/>
+                                            </p:txEl>
+                                          </p:spTgt>
+                                        </p:tgtEl>
+                                      </p:cBhvr>
+                                    </p:animEffect>
+                                  </p:childTnLst>
+                                </p:cTn>
+                              </p:par>
+                            </p:childTnLst>
+                          </p:cTn>
+                        </p:par>
+                      </p:childTnLst>
+                    </p:cTn>
+                  </p:par>
+                  <p:par>
+                    <p:cTn id="13" fill="hold">
+                      <p:stCondLst>
+                        <p:cond delay="indefinite"/>
+                      </p:stCondLst>
+                      <p:childTnLst>
+                        <p:par>
+                          <p:cTn id="14" fill="hold">
+                            <p:stCondLst>
+                              <p:cond delay="0"/>
+                            </p:stCondLst>
+                            <p:childTnLst>
+                              <p:par>
+                                <p:cTn id="15" presetID="10" presetClass="entr" presetSubtype="0" fill="hold" nodeType="clickEffect">
+                                  <p:stCondLst>
+                                    <p:cond delay="0"/>
+                                  </p:stCondLst>
+                                  <p:childTnLst>
+                                    <p:set>
+                                      <p:cBhvr>
+                                        <p:cTn id="16" dur="1" fill="hold">
+                                          <p:stCondLst>
+                                            <p:cond delay="0"/>
+                                          </p:stCondLst>
+                                        </p:cTn>
+                                        <p:tgtEl>
+                                          <p:spTgt spid="3">
+                                            <p:txEl>
+                                              <p:pRg st="3" end="3"/>
+                                            </p:txEl>
+                                          </p:spTgt>
+                                        </p:tgtEl>
+                                        <p:attrNameLst>
+                                          <p:attrName>style.visibility</p:attrName>
+                                        </p:attrNameLst>
+                                      </p:cBhvr>
+                                      <p:to>
+                                        <p:strVal val="visible"/>
+                                      </p:to>
+                                    </p:set>
+                                    <p:animEffect transition="in" filter="fade">
+                                      <p:cBhvr>
+                                        <p:cTn id="17" dur="500"/>
+                                        <p:tgtEl>
+                                          <p:spTgt spid="3">
+                                            <p:txEl>
+                                              <p:pRg st="3" end="3"/>
+                                            </p:txEl>
+                                          </p:spTgt>
+                                        </p:tgtEl>
+                                      </p:cBhvr>
+                                    </p:animEffect>
+                                  </p:childTnLst>
+                                </p:cTn>
+                              </p:par>
+                            </p:childTnLst>
+                          </p:cTn>
+                        </p:par>
+                      </p:childTnLst>
+                    </p:cTn>
+                  </p:par>
+                  <p:par>
+                    <p:cTn id="18" fill="hold">
+                      <p:stCondLst>
+                        <p:cond delay="indefinite"/>
+                      </p:stCondLst>
+                      <p:childTnLst>
+                        <p:par>
+                          <p:cTn id="19" fill="hold">
+                            <p:stCondLst>
+                              <p:cond delay="0"/>
+                            </p:stCondLst>
+                            <p:childTnLst>
+                              <p:par>
+                                <p:cTn id="20" presetID="10" presetClass="entr" presetSubtype="0" fill="hold" nodeType="clickEffect">
+                                  <p:stCondLst>
+                                    <p:cond delay="0"/>
+                                  </p:stCondLst>
+                                  <p:childTnLst>
+                                    <p:set>
+                                      <p:cBhvr>
+                                        <p:cTn id="21" dur="1" fill="hold">
+                                          <p:stCondLst>
+                                            <p:cond delay="0"/>
+                                          </p:stCondLst>
+                                        </p:cTn>
+                                        <p:tgtEl>
+                                          <p:spTgt spid="3">
+                                            <p:txEl>
+                                              <p:pRg st="4" end="4"/>
+                                            </p:txEl>
+                                          </p:spTgt>
+                                        </p:tgtEl>
+                                        <p:attrNameLst>
+                                          <p:attrName>style.visibility</p:attrName>
+                                        </p:attrNameLst>
+                                      </p:cBhvr>
+                                      <p:to>
+                                        <p:strVal val="visible"/>
+                                      </p:to>
+                                    </p:set>
+                                    <p:animEffect transition="in" filter="fade">
+                                      <p:cBhvr>
+                                        <p:cTn id="22" dur="500"/>
+                                        <p:tgtEl>
+                                          <p:spTgt spid="3">
+                                            <p:txEl>
+                                              <p:pRg st="4" end="4"/>
+                                            </p:txEl>
+                                          </p:spTgt>
+                                        </p:tgtEl>
+                                      </p:cBhvr>
+                                    </p:animEffect>
+                                  </p:childTnLst>
+                                </p:cTn>
+                              </p:par>
+                            </p:childTnLst>
+                          </p:cTn>
+                        </p:par>
+                      </p:childTnLst>
+                    </p:cTn>
+                  </p:par>
+                </p:childTnLst>
+              </p:cTn>
+              <p:prevCondLst>
+                <p:cond evt="onPrev" delay="0">
+                  <p:tgtEl>
+                    <p:sldTgt/>
+                  </p:tgtEl>
+                </p:cond>
+              </p:prevCondLst>
+              <p:nextCondLst>
+                <p:cond evt="onNext" delay="0">
+                  <p:tgtEl>
+                    <p:sldTgt/>
+                  </p:tgtEl>
+                </p:cond>
+              </p:nextCondLst>
+            </p:seq>
+          </p:childTnLst>
+        </p:cTn>
+      </p:par>
+    </p:tnLst>
+  </p:timing>
+</p:sld>
+</file>
+
+<file path=ppt/slides/slide22.xml><?xml version="1.0" encoding="utf-8"?>
+<p:sld xmlns:a="http://schemas.openxmlformats.org/drawingml/2006/main" xmlns:r="http://schemas.openxmlformats.org/officeDocument/2006/relationships" xmlns:p="http://schemas.openxmlformats.org/presentationml/2006/main">
+  <p:cSld>
+    <p:spTree>
+      <p:nvGrpSpPr>
+        <p:cNvPr id="1" name=""/>
+        <p:cNvGrpSpPr/>
+        <p:nvPr/>
+      </p:nvGrpSpPr>
+      <p:grpSpPr>
+        <a:xfrm>
+          <a:off x="0" y="0"/>
+          <a:ext cx="0" cy="0"/>
+          <a:chOff x="0" y="0"/>
+          <a:chExt cx="0" cy="0"/>
+        </a:xfrm>
+      </p:grpSpPr>
+      <p:sp>
+        <p:nvSpPr>
+          <p:cNvPr id="2" name="Title 1"/>
+          <p:cNvSpPr>
+            <a:spLocks noGrp="1"/>
+          </p:cNvSpPr>
+          <p:nvPr>
+            <p:ph type="title"/>
+          </p:nvPr>
+        </p:nvSpPr>
+        <p:spPr/>
+        <p:txBody>
+          <a:bodyPr/>
+          <a:lstStyle/>
+          <a:p>
+            <a:r>
+              <a:rPr lang="en-US" dirty="0" smtClean="0"/>
+              <a:t>Rendering</a:t>
+            </a:r>
+            <a:endParaRPr lang="en-US" dirty="0"/>
+          </a:p>
+        </p:txBody>
+      </p:sp>
+      <p:sp>
+        <p:nvSpPr>
+          <p:cNvPr id="3" name="Text Placeholder 2"/>
+          <p:cNvSpPr>
+            <a:spLocks noGrp="1"/>
+          </p:cNvSpPr>
+          <p:nvPr>
+            <p:ph type="body" idx="1"/>
+          </p:nvPr>
+        </p:nvSpPr>
+        <p:spPr/>
+        <p:txBody>
+          <a:bodyPr/>
+          <a:lstStyle/>
+          <a:p>
+            <a:r>
+              <a:rPr lang="en-US" dirty="0" smtClean="0"/>
+              <a:t>Use the Scripts or Styles helpers</a:t>
+            </a:r>
+          </a:p>
+          <a:p>
+            <a:r>
+              <a:rPr lang="en-US" dirty="0" smtClean="0"/>
+              <a:t>Use </a:t>
+            </a:r>
+            <a:r>
+              <a:rPr lang="en-US" dirty="0" err="1" smtClean="0"/>
+              <a:t>ResolveBundleUrl</a:t>
+            </a:r>
+            <a:r>
+              <a:rPr lang="en-US" dirty="0" smtClean="0"/>
+              <a:t> for fine-grained control</a:t>
+            </a:r>
+            <a:endParaRPr lang="en-US" dirty="0"/>
+          </a:p>
+        </p:txBody>
+      </p:sp>
+      <p:pic>
+        <p:nvPicPr>
+          <p:cNvPr id="3075" name="Picture 3"/>
+          <p:cNvPicPr>
+            <a:picLocks noChangeAspect="1" noChangeArrowheads="1"/>
+          </p:cNvPicPr>
+          <p:nvPr/>
+        </p:nvPicPr>
+        <p:blipFill>
+          <a:blip r:embed="rId2">
+            <a:extLst>
+              <a:ext uri="{28A0092B-C50C-407E-A947-70E740481C1C}">
+                <a14:useLocalDpi xmlns:a14="http://schemas.microsoft.com/office/drawing/2010/main" val="0"/>
+              </a:ext>
+            </a:extLst>
+          </a:blip>
+          <a:srcRect/>
+          <a:stretch>
+            <a:fillRect/>
+          </a:stretch>
+        </p:blipFill>
+        <p:spPr bwMode="auto">
+          <a:xfrm>
+            <a:off x="1026695" y="3276599"/>
+            <a:ext cx="7133169" cy="1843087"/>
+          </a:xfrm>
+          <a:prstGeom prst="rect">
+            <a:avLst/>
+          </a:prstGeom>
+          <a:ln>
+            <a:noFill/>
+          </a:ln>
+          <a:effectLst>
+            <a:outerShdw blurRad="292100" dist="139700" dir="2700000" algn="tl" rotWithShape="0">
+              <a:srgbClr val="333333">
+                <a:alpha val="65000"/>
+              </a:srgbClr>
+            </a:outerShdw>
+          </a:effectLst>
+          <a:extLst>
+            <a:ext uri="{909E8E84-426E-40DD-AFC4-6F175D3DCCD1}">
+              <a14:hiddenFill xmlns:a14="http://schemas.microsoft.com/office/drawing/2010/main">
+                <a:solidFill>
+                  <a:schemeClr val="accent1"/>
+                </a:solidFill>
+              </a14:hiddenFill>
+            </a:ext>
+            <a:ext uri="{91240B29-F687-4F45-9708-019B960494DF}">
+              <a14:hiddenLine xmlns:a14="http://schemas.microsoft.com/office/drawing/2010/main" w="9525">
+                <a:solidFill>
+                  <a:schemeClr val="tx1"/>
+                </a:solidFill>
+                <a:miter lim="800000"/>
+                <a:headEnd/>
+                <a:tailEnd/>
+              </a14:hiddenLine>
+            </a:ext>
+          </a:extLst>
+        </p:spPr>
+      </p:pic>
+    </p:spTree>
+    <p:extLst>
+      <p:ext uri="{BB962C8B-B14F-4D97-AF65-F5344CB8AC3E}">
+        <p14:creationId xmlns:p14="http://schemas.microsoft.com/office/powerpoint/2010/main" val="3317279644"/>
+      </p:ext>
+    </p:extLst>
+  </p:cSld>
+  <p:clrMapOvr>
+    <a:masterClrMapping/>
+  </p:clrMapOvr>
+  <p:transition>
+    <p:fade/>
+  </p:transition>
+  <p:timing>
+    <p:tnLst>
+      <p:par>
+        <p:cTn id="1" dur="indefinite" restart="never" nodeType="tmRoot"/>
+      </p:par>
+    </p:tnLst>
+  </p:timing>
+</p:sld>
+</file>
+
+<file path=ppt/slides/slide23.xml><?xml version="1.0" encoding="utf-8"?>
+<p:sld xmlns:a="http://schemas.openxmlformats.org/drawingml/2006/main" xmlns:r="http://schemas.openxmlformats.org/officeDocument/2006/relationships" xmlns:p="http://schemas.openxmlformats.org/presentationml/2006/main">
+  <p:cSld>
+    <p:spTree>
+      <p:nvGrpSpPr>
+        <p:cNvPr id="1" name=""/>
+        <p:cNvGrpSpPr/>
+        <p:nvPr/>
+      </p:nvGrpSpPr>
+      <p:grpSpPr>
+        <a:xfrm>
+          <a:off x="0" y="0"/>
+          <a:ext cx="0" cy="0"/>
+          <a:chOff x="0" y="0"/>
+          <a:chExt cx="0" cy="0"/>
+        </a:xfrm>
+      </p:grpSpPr>
+      <p:sp>
+        <p:nvSpPr>
+          <p:cNvPr id="12290" name="Rectangle 4"/>
+          <p:cNvSpPr>
+            <a:spLocks noGrp="1" noChangeArrowheads="1"/>
+          </p:cNvSpPr>
+          <p:nvPr>
+            <p:ph type="title"/>
+          </p:nvPr>
+        </p:nvSpPr>
+        <p:spPr/>
+        <p:txBody>
+          <a:bodyPr/>
+          <a:lstStyle/>
+          <a:p>
+            <a:pPr eaLnBrk="1" hangingPunct="1"/>
+            <a:r>
+              <a:rPr lang="en-US" dirty="0" smtClean="0"/>
+              <a:t>Summary</a:t>
+            </a:r>
+          </a:p>
+        </p:txBody>
+      </p:sp>
+      <p:sp>
+        <p:nvSpPr>
+          <p:cNvPr id="12291" name="Rectangle 5"/>
+          <p:cNvSpPr>
+            <a:spLocks noGrp="1" noChangeArrowheads="1"/>
+          </p:cNvSpPr>
+          <p:nvPr>
+            <p:ph type="body" idx="1"/>
+          </p:nvPr>
+        </p:nvSpPr>
+        <p:spPr/>
+        <p:txBody>
+          <a:bodyPr/>
+          <a:lstStyle/>
+          <a:p>
+            <a:pPr eaLnBrk="1" hangingPunct="1"/>
+            <a:r>
+              <a:rPr lang="en-US" dirty="0" smtClean="0"/>
+              <a:t>ASP.NET MVC has basic AJAX building blocks</a:t>
+            </a:r>
+          </a:p>
+          <a:p>
+            <a:pPr lvl="1"/>
+            <a:r>
+              <a:rPr lang="en-US" dirty="0" smtClean="0"/>
+              <a:t>AJAX Helpers</a:t>
+            </a:r>
+          </a:p>
+          <a:p>
+            <a:pPr lvl="1"/>
+            <a:r>
+              <a:rPr lang="en-US" dirty="0" smtClean="0"/>
+              <a:t>Partial Views</a:t>
+            </a:r>
+          </a:p>
+          <a:p>
+            <a:pPr lvl="1"/>
+            <a:r>
+              <a:rPr lang="en-US" dirty="0" smtClean="0"/>
+              <a:t>Client consumable action results</a:t>
+            </a:r>
+          </a:p>
+          <a:p>
+            <a:r>
+              <a:rPr lang="en-US" dirty="0" err="1" smtClean="0"/>
+              <a:t>jQuery</a:t>
+            </a:r>
+            <a:endParaRPr lang="en-US" dirty="0" smtClean="0"/>
+          </a:p>
+          <a:p>
+            <a:pPr lvl="1"/>
+            <a:r>
+              <a:rPr lang="en-US" dirty="0" smtClean="0"/>
+              <a:t>DOM Manipulation</a:t>
+            </a:r>
+          </a:p>
+          <a:p>
+            <a:pPr lvl="1"/>
+            <a:r>
+              <a:rPr lang="en-US" dirty="0" err="1" smtClean="0"/>
+              <a:t>Plugins</a:t>
+            </a:r>
+            <a:r>
+              <a:rPr lang="en-US" dirty="0" smtClean="0"/>
+              <a:t> for any feature</a:t>
+            </a:r>
+          </a:p>
+          <a:p>
+            <a:pPr lvl="1"/>
+            <a:r>
+              <a:rPr lang="en-US" dirty="0" smtClean="0"/>
+              <a:t>jQuery UI for widgets</a:t>
+            </a:r>
+          </a:p>
+          <a:p>
+            <a:endParaRPr lang="en-US" dirty="0" smtClean="0"/>
+          </a:p>
+          <a:p>
+            <a:pPr lvl="1"/>
             <a:endParaRPr lang="en-US" dirty="0" smtClean="0"/>
           </a:p>
         </p:txBody>
@@ -10895,11 +11764,7 @@
             <a:pPr lvl="1"/>
             <a:r>
               <a:rPr lang="en-US" dirty="0" smtClean="0"/>
-              <a:t>Functional </a:t>
-            </a:r>
-            <a:r>
-              <a:rPr lang="en-US" dirty="0" smtClean="0"/>
-              <a:t>orientation</a:t>
+              <a:t>Functional orientation</a:t>
             </a:r>
           </a:p>
           <a:p>
@@ -10920,11 +11785,7 @@
             <a:pPr lvl="1"/>
             <a:r>
               <a:rPr lang="en-US" dirty="0" smtClean="0"/>
-              <a:t>DOM </a:t>
-            </a:r>
-            <a:r>
-              <a:rPr lang="en-US" dirty="0" smtClean="0"/>
-              <a:t>Manipulation</a:t>
+              <a:t>DOM Manipulation</a:t>
             </a:r>
           </a:p>
           <a:p>
@@ -10946,7 +11807,6 @@
               <a:rPr lang="en-US" dirty="0" smtClean="0"/>
               <a:t>Adapt MVC to jQuery</a:t>
             </a:r>
-            <a:endParaRPr lang="en-US" dirty="0" smtClean="0"/>
           </a:p>
           <a:p>
             <a:pPr lvl="1"/>
@@ -12037,11 +12897,7 @@
             <a:pPr lvl="1"/>
             <a:r>
               <a:rPr lang="en-US" dirty="0" smtClean="0"/>
-              <a:t>ASP.NET </a:t>
-            </a:r>
-            <a:r>
-              <a:rPr lang="en-US" dirty="0" smtClean="0"/>
-              <a:t>MVC Scripts</a:t>
+              <a:t>ASP.NET MVC Scripts</a:t>
             </a:r>
           </a:p>
           <a:p>
